--- a/5_BigQuery.pptx
+++ b/5_BigQuery.pptx
@@ -5,7 +5,7 @@
     <p:sldMasterId id="2147483648" r:id="rId1"/>
   </p:sldMasterIdLst>
   <p:notesMasterIdLst>
-    <p:notesMasterId r:id="rId22"/>
+    <p:notesMasterId r:id="rId23"/>
   </p:notesMasterIdLst>
   <p:sldIdLst>
     <p:sldId id="267" r:id="rId2"/>
@@ -28,6 +28,7 @@
     <p:sldId id="272" r:id="rId19"/>
     <p:sldId id="279" r:id="rId20"/>
     <p:sldId id="280" r:id="rId21"/>
+    <p:sldId id="266" r:id="rId22"/>
   </p:sldIdLst>
   <p:sldSz cx="12192000" cy="6858000"/>
   <p:notesSz cx="6858000" cy="9144000"/>
@@ -7004,6 +7005,314 @@
     <p:extLst>
       <p:ext uri="{BB962C8B-B14F-4D97-AF65-F5344CB8AC3E}">
         <p14:creationId xmlns:p14="http://schemas.microsoft.com/office/powerpoint/2010/main" val="2930822108"/>
+      </p:ext>
+    </p:extLst>
+  </p:cSld>
+  <p:clrMapOvr>
+    <a:masterClrMapping/>
+  </p:clrMapOvr>
+</p:sld>
+</file>
+
+<file path=ppt/slides/slide21.xml><?xml version="1.0" encoding="utf-8"?>
+<p:sld xmlns:a="http://schemas.openxmlformats.org/drawingml/2006/main" xmlns:r="http://schemas.openxmlformats.org/officeDocument/2006/relationships" xmlns:p="http://schemas.openxmlformats.org/presentationml/2006/main">
+  <p:cSld>
+    <p:spTree>
+      <p:nvGrpSpPr>
+        <p:cNvPr id="1" name=""/>
+        <p:cNvGrpSpPr/>
+        <p:nvPr/>
+      </p:nvGrpSpPr>
+      <p:grpSpPr>
+        <a:xfrm>
+          <a:off x="0" y="0"/>
+          <a:ext cx="0" cy="0"/>
+          <a:chOff x="0" y="0"/>
+          <a:chExt cx="0" cy="0"/>
+        </a:xfrm>
+      </p:grpSpPr>
+      <p:sp>
+        <p:nvSpPr>
+          <p:cNvPr id="2" name="Title 1"/>
+          <p:cNvSpPr>
+            <a:spLocks noGrp="1"/>
+          </p:cNvSpPr>
+          <p:nvPr>
+            <p:ph type="title"/>
+          </p:nvPr>
+        </p:nvSpPr>
+        <p:spPr/>
+        <p:txBody>
+          <a:bodyPr/>
+          <a:lstStyle/>
+          <a:p>
+            <a:r>
+              <a:rPr lang="en-US" dirty="0"/>
+              <a:t>Thank you.</a:t>
+            </a:r>
+          </a:p>
+        </p:txBody>
+      </p:sp>
+      <p:sp>
+        <p:nvSpPr>
+          <p:cNvPr id="4" name="Text Placeholder 3"/>
+          <p:cNvSpPr>
+            <a:spLocks noGrp="1"/>
+          </p:cNvSpPr>
+          <p:nvPr>
+            <p:ph type="body" sz="quarter" idx="11"/>
+          </p:nvPr>
+        </p:nvSpPr>
+        <p:spPr/>
+        <p:txBody>
+          <a:bodyPr/>
+          <a:lstStyle/>
+          <a:p>
+            <a:r>
+              <a:rPr lang="en-US" dirty="0"/>
+              <a:t>Lydia Fleischmann</a:t>
+            </a:r>
+          </a:p>
+          <a:p>
+            <a:r>
+              <a:rPr lang="en-US" dirty="0"/>
+              <a:t>Carl </a:t>
+            </a:r>
+            <a:r>
+              <a:rPr lang="en-US" dirty="0" err="1"/>
+              <a:t>Leubsdorf</a:t>
+            </a:r>
+            <a:endParaRPr lang="en-US" dirty="0"/>
+          </a:p>
+          <a:p>
+            <a:r>
+              <a:rPr lang="en-US" dirty="0"/>
+              <a:t>Brad </a:t>
+            </a:r>
+            <a:r>
+              <a:rPr lang="en-US" dirty="0" err="1"/>
+              <a:t>Plecs</a:t>
+            </a:r>
+            <a:endParaRPr lang="en-US" dirty="0"/>
+          </a:p>
+          <a:p>
+            <a:r>
+              <a:rPr lang="en-US" dirty="0"/>
+              <a:t>Thomas </a:t>
+            </a:r>
+            <a:r>
+              <a:rPr lang="en-US" dirty="0" err="1"/>
+              <a:t>Doak</a:t>
+            </a:r>
+            <a:endParaRPr lang="en-US" dirty="0"/>
+          </a:p>
+          <a:p>
+            <a:r>
+              <a:rPr lang="en-US" dirty="0"/>
+              <a:t>Kate Mortensen</a:t>
+            </a:r>
+          </a:p>
+          <a:p>
+            <a:r>
+              <a:rPr lang="en-US" dirty="0"/>
+              <a:t>Layla Freeborn</a:t>
+            </a:r>
+          </a:p>
+          <a:p>
+            <a:r>
+              <a:rPr lang="en-US" dirty="0"/>
+              <a:t>Sheri Sanders</a:t>
+            </a:r>
+          </a:p>
+        </p:txBody>
+      </p:sp>
+      <p:sp>
+        <p:nvSpPr>
+          <p:cNvPr id="5" name="Text Placeholder 4"/>
+          <p:cNvSpPr>
+            <a:spLocks noGrp="1"/>
+          </p:cNvSpPr>
+          <p:nvPr>
+            <p:ph type="body" sz="quarter" idx="13"/>
+          </p:nvPr>
+        </p:nvSpPr>
+        <p:spPr/>
+        <p:txBody>
+          <a:bodyPr/>
+          <a:lstStyle/>
+          <a:p>
+            <a:r>
+              <a:rPr lang="en-US" dirty="0"/>
+              <a:t>Tom Madden</a:t>
+            </a:r>
+          </a:p>
+          <a:p>
+            <a:r>
+              <a:rPr lang="en-US" dirty="0" err="1"/>
+              <a:t>Chistiam</a:t>
+            </a:r>
+            <a:r>
+              <a:rPr lang="en-US" dirty="0"/>
+              <a:t> Camacho</a:t>
+            </a:r>
+          </a:p>
+          <a:p>
+            <a:r>
+              <a:rPr lang="en-US" dirty="0"/>
+              <a:t>Françoise </a:t>
+            </a:r>
+            <a:r>
+              <a:rPr lang="en-US" dirty="0" err="1"/>
+              <a:t>Thibaud</a:t>
+            </a:r>
+            <a:r>
+              <a:rPr lang="en-US" dirty="0"/>
+              <a:t>-Nissen</a:t>
+            </a:r>
+          </a:p>
+          <a:p>
+            <a:r>
+              <a:rPr lang="en-US" dirty="0"/>
+              <a:t>Dave Arndt</a:t>
+            </a:r>
+          </a:p>
+          <a:p>
+            <a:r>
+              <a:rPr lang="en-US" dirty="0"/>
+              <a:t>Rick Lapoint</a:t>
+            </a:r>
+          </a:p>
+          <a:p>
+            <a:r>
+              <a:rPr lang="en-US" dirty="0"/>
+              <a:t>Chris O’Sullivan</a:t>
+            </a:r>
+          </a:p>
+          <a:p>
+            <a:r>
+              <a:rPr lang="en-US" dirty="0"/>
+              <a:t>Yuriy Skripchenko </a:t>
+            </a:r>
+          </a:p>
+          <a:p>
+            <a:r>
+              <a:rPr lang="en-US" dirty="0"/>
+              <a:t>Jon Trow</a:t>
+            </a:r>
+          </a:p>
+        </p:txBody>
+      </p:sp>
+      <p:sp>
+        <p:nvSpPr>
+          <p:cNvPr id="6" name="Text Placeholder 5"/>
+          <p:cNvSpPr>
+            <a:spLocks noGrp="1"/>
+          </p:cNvSpPr>
+          <p:nvPr>
+            <p:ph type="body" sz="quarter" idx="14"/>
+          </p:nvPr>
+        </p:nvSpPr>
+        <p:spPr/>
+        <p:txBody>
+          <a:bodyPr/>
+          <a:lstStyle/>
+          <a:p>
+            <a:r>
+              <a:rPr lang="en-US" dirty="0"/>
+              <a:t>Rodney Brister</a:t>
+            </a:r>
+          </a:p>
+          <a:p>
+            <a:r>
+              <a:rPr lang="en-US" dirty="0"/>
+              <a:t>Ryan Connor</a:t>
+            </a:r>
+          </a:p>
+          <a:p>
+            <a:r>
+              <a:rPr lang="en-US" dirty="0"/>
+              <a:t>Ravinder Eskandary</a:t>
+            </a:r>
+          </a:p>
+          <a:p>
+            <a:r>
+              <a:rPr lang="en-US" dirty="0"/>
+              <a:t>Allie McDougall</a:t>
+            </a:r>
+          </a:p>
+          <a:p>
+            <a:r>
+              <a:rPr lang="en-US" dirty="0"/>
+              <a:t>Rana Morris</a:t>
+            </a:r>
+          </a:p>
+          <a:p>
+            <a:r>
+              <a:rPr lang="en-US" dirty="0"/>
+              <a:t>Daniel Soren</a:t>
+            </a:r>
+          </a:p>
+          <a:p>
+            <a:r>
+              <a:rPr lang="en-US" dirty="0"/>
+              <a:t>Louise To</a:t>
+            </a:r>
+          </a:p>
+        </p:txBody>
+      </p:sp>
+      <p:sp>
+        <p:nvSpPr>
+          <p:cNvPr id="7" name="Text Placeholder 6"/>
+          <p:cNvSpPr>
+            <a:spLocks noGrp="1"/>
+          </p:cNvSpPr>
+          <p:nvPr>
+            <p:ph type="body" sz="quarter" idx="15"/>
+          </p:nvPr>
+        </p:nvSpPr>
+        <p:spPr/>
+        <p:txBody>
+          <a:bodyPr/>
+          <a:lstStyle/>
+          <a:p>
+            <a:r>
+              <a:rPr lang="en-US" dirty="0"/>
+              <a:t>Steve Sherry</a:t>
+            </a:r>
+          </a:p>
+        </p:txBody>
+      </p:sp>
+      <p:sp>
+        <p:nvSpPr>
+          <p:cNvPr id="8" name="Text Placeholder 7"/>
+          <p:cNvSpPr>
+            <a:spLocks noGrp="1"/>
+          </p:cNvSpPr>
+          <p:nvPr>
+            <p:ph type="body" sz="quarter" idx="16"/>
+          </p:nvPr>
+        </p:nvSpPr>
+        <p:spPr>
+          <a:xfrm>
+            <a:off x="5987291" y="365125"/>
+            <a:ext cx="5366509" cy="1217613"/>
+          </a:xfrm>
+        </p:spPr>
+        <p:txBody>
+          <a:bodyPr/>
+          <a:lstStyle/>
+          <a:p>
+            <a:r>
+              <a:rPr lang="en-US" dirty="0"/>
+              <a:t>This research was supported by the Intramural Research Program of the NIH, National Library of Medicine.</a:t>
+            </a:r>
+          </a:p>
+        </p:txBody>
+      </p:sp>
+    </p:spTree>
+    <p:extLst>
+      <p:ext uri="{BB962C8B-B14F-4D97-AF65-F5344CB8AC3E}">
+        <p14:creationId xmlns:p14="http://schemas.microsoft.com/office/powerpoint/2010/main" val="1815083475"/>
       </p:ext>
     </p:extLst>
   </p:cSld>
